--- a/documentation/Game Idea Pitch.pptx
+++ b/documentation/Game Idea Pitch.pptx
@@ -199,7 +199,7 @@
             <a:fld id="{241B2CAE-C838-4555-AE09-781673F6E96D}" type="datetimeFigureOut">
               <a:rPr lang="de-DE" smtClean="0"/>
               <a:pPr/>
-              <a:t>02.03.2009</a:t>
+              <a:t>12.05.2009</a:t>
             </a:fld>
             <a:endParaRPr lang="de-CH"/>
           </a:p>
@@ -659,7 +659,7 @@
             <a:fld id="{491AFB38-7F0F-4E65-9016-729E2F991F73}" type="datetime4">
               <a:rPr lang="en-US" smtClean="0"/>
               <a:pPr/>
-              <a:t>March 2, 2009</a:t>
+              <a:t>May 12, 2009</a:t>
             </a:fld>
             <a:endParaRPr lang="de-CH"/>
           </a:p>
@@ -891,7 +891,7 @@
             <a:fld id="{832CCE04-FC13-47C6-92C8-C6C0081D0F0B}" type="datetime4">
               <a:rPr lang="en-US" smtClean="0"/>
               <a:pPr/>
-              <a:t>March 2, 2009</a:t>
+              <a:t>May 12, 2009</a:t>
             </a:fld>
             <a:endParaRPr lang="de-CH"/>
           </a:p>
@@ -1072,7 +1072,7 @@
             <a:fld id="{2C76FB36-50AB-4B52-84F5-8BB3D4685CDE}" type="datetime4">
               <a:rPr lang="en-US" smtClean="0"/>
               <a:pPr/>
-              <a:t>March 2, 2009</a:t>
+              <a:t>May 12, 2009</a:t>
             </a:fld>
             <a:endParaRPr lang="de-CH"/>
           </a:p>
@@ -1257,7 +1257,7 @@
             <a:fld id="{FD3456F3-F988-4644-9B1F-732BB24E8D12}" type="datetime4">
               <a:rPr lang="en-US" smtClean="0"/>
               <a:pPr/>
-              <a:t>March 2, 2009</a:t>
+              <a:t>May 12, 2009</a:t>
             </a:fld>
             <a:endParaRPr lang="de-CH" dirty="0"/>
           </a:p>
@@ -1515,7 +1515,7 @@
             <a:fld id="{72EBF5DF-780F-456C-A555-8B62CA5D4506}" type="datetime4">
               <a:rPr lang="en-US" smtClean="0"/>
               <a:pPr/>
-              <a:t>March 2, 2009</a:t>
+              <a:t>May 12, 2009</a:t>
             </a:fld>
             <a:endParaRPr lang="de-CH"/>
           </a:p>
@@ -1785,7 +1785,7 @@
             <a:fld id="{A5757DA3-6B96-48F2-A79A-08453494CFFD}" type="datetime4">
               <a:rPr lang="en-US" smtClean="0"/>
               <a:pPr/>
-              <a:t>March 2, 2009</a:t>
+              <a:t>May 12, 2009</a:t>
             </a:fld>
             <a:endParaRPr lang="de-CH"/>
           </a:p>
@@ -2165,7 +2165,7 @@
             <a:fld id="{F2984DBB-B553-4E56-982F-D704A07319BD}" type="datetime4">
               <a:rPr lang="en-US" smtClean="0"/>
               <a:pPr/>
-              <a:t>March 2, 2009</a:t>
+              <a:t>May 12, 2009</a:t>
             </a:fld>
             <a:endParaRPr lang="de-CH"/>
           </a:p>
@@ -2284,7 +2284,7 @@
             <a:fld id="{0166FAD9-9585-46A3-BF5D-CB6DCF8840DE}" type="datetime4">
               <a:rPr lang="en-US" smtClean="0"/>
               <a:pPr/>
-              <a:t>March 2, 2009</a:t>
+              <a:t>May 12, 2009</a:t>
             </a:fld>
             <a:endParaRPr lang="de-CH"/>
           </a:p>
@@ -2380,7 +2380,7 @@
             <a:fld id="{5A66393E-1007-4886-9255-6344016076B5}" type="datetime4">
               <a:rPr lang="en-US" smtClean="0"/>
               <a:pPr/>
-              <a:t>March 2, 2009</a:t>
+              <a:t>May 12, 2009</a:t>
             </a:fld>
             <a:endParaRPr lang="de-CH"/>
           </a:p>
@@ -2644,7 +2644,7 @@
             <a:fld id="{AE06ED30-A47D-4BBF-B947-A4BA2E745E95}" type="datetime4">
               <a:rPr lang="en-US" smtClean="0"/>
               <a:pPr/>
-              <a:t>March 2, 2009</a:t>
+              <a:t>May 12, 2009</a:t>
             </a:fld>
             <a:endParaRPr lang="de-CH"/>
           </a:p>
@@ -2914,7 +2914,7 @@
             <a:fld id="{CE86EBBF-7759-4BBD-BA88-87224CF75B38}" type="datetime4">
               <a:rPr lang="en-US" smtClean="0"/>
               <a:pPr/>
-              <a:t>March 2, 2009</a:t>
+              <a:t>May 12, 2009</a:t>
             </a:fld>
             <a:endParaRPr lang="de-CH"/>
           </a:p>
@@ -3146,7 +3146,7 @@
             <a:fld id="{02438F3C-2C7D-43CB-8D4A-14AB2F777FBE}" type="datetime4">
               <a:rPr lang="en-US" smtClean="0"/>
               <a:pPr/>
-              <a:t>March 2, 2009</a:t>
+              <a:t>May 12, 2009</a:t>
             </a:fld>
             <a:endParaRPr lang="de-CH"/>
           </a:p>
@@ -3600,12 +3600,35 @@
         </p:spPr>
         <p:txBody>
           <a:bodyPr>
-            <a:normAutofit/>
+            <a:normAutofit fontScale="90000"/>
           </a:bodyPr>
           <a:lstStyle/>
           <a:p>
             <a:r>
-              <a:rPr lang="en-US" sz="7200" smtClean="0">
+              <a:rPr lang="en-US" sz="7200" dirty="0" smtClean="0">
+                <a:effectLst>
+                  <a:outerShdw blurRad="38100" dist="38100" dir="2700000" algn="tl">
+                    <a:srgbClr val="000000">
+                      <a:alpha val="43137"/>
+                    </a:srgbClr>
+                  </a:outerShdw>
+                </a:effectLst>
+              </a:rPr>
+              <a:t>Project</a:t>
+            </a:r>
+            <a:br>
+              <a:rPr lang="en-US" sz="7200" dirty="0" smtClean="0">
+                <a:effectLst>
+                  <a:outerShdw blurRad="38100" dist="38100" dir="2700000" algn="tl">
+                    <a:srgbClr val="000000">
+                      <a:alpha val="43137"/>
+                    </a:srgbClr>
+                  </a:outerShdw>
+                </a:effectLst>
+              </a:rPr>
+            </a:br>
+            <a:r>
+              <a:rPr lang="en-US" sz="7200" dirty="0" smtClean="0">
                 <a:effectLst>
                   <a:outerShdw blurRad="38100" dist="38100" dir="2700000" algn="tl">
                     <a:srgbClr val="000000">
@@ -3616,7 +3639,7 @@
               </a:rPr>
               <a:t>Magma</a:t>
             </a:r>
-            <a:endParaRPr lang="en-US" sz="7200">
+            <a:endParaRPr lang="en-US" sz="7200" dirty="0">
               <a:effectLst>
                 <a:outerShdw blurRad="38100" dist="38100" dir="2700000" algn="tl">
                   <a:srgbClr val="000000">
@@ -3828,7 +3851,7 @@
             <a:fld id="{68B3A63F-3C21-45A5-881E-7079D21D2553}" type="datetime4">
               <a:rPr lang="en-US" smtClean="0"/>
               <a:pPr/>
-              <a:t>March 2, 2009</a:t>
+              <a:t>May 12, 2009</a:t>
             </a:fld>
             <a:endParaRPr lang="de-CH" dirty="0"/>
           </a:p>
@@ -4057,7 +4080,7 @@
             <a:fld id="{EE9DF18A-702D-492C-8FAA-404C4DC0A077}" type="datetime4">
               <a:rPr lang="en-US" smtClean="0"/>
               <a:pPr/>
-              <a:t>March 2, 2009</a:t>
+              <a:t>May 12, 2009</a:t>
             </a:fld>
             <a:endParaRPr lang="en-US"/>
           </a:p>
@@ -4214,7 +4237,7 @@
             <a:fld id="{FD3456F3-F988-4644-9B1F-732BB24E8D12}" type="datetime4">
               <a:rPr lang="en-US" smtClean="0"/>
               <a:pPr/>
-              <a:t>March 2, 2009</a:t>
+              <a:t>May 12, 2009</a:t>
             </a:fld>
             <a:endParaRPr lang="en-US"/>
           </a:p>
@@ -4356,7 +4379,7 @@
             <a:fld id="{FD3456F3-F988-4644-9B1F-732BB24E8D12}" type="datetime4">
               <a:rPr lang="en-US" smtClean="0"/>
               <a:pPr/>
-              <a:t>March 2, 2009</a:t>
+              <a:t>May 12, 2009</a:t>
             </a:fld>
             <a:endParaRPr lang="de-CH" dirty="0"/>
           </a:p>
@@ -7040,7 +7063,7 @@
             <a:fld id="{FD3456F3-F988-4644-9B1F-732BB24E8D12}" type="datetime4">
               <a:rPr lang="en-US" smtClean="0"/>
               <a:pPr/>
-              <a:t>March 2, 2009</a:t>
+              <a:t>May 12, 2009</a:t>
             </a:fld>
             <a:endParaRPr lang="de-CH" dirty="0"/>
           </a:p>
@@ -7159,7 +7182,7 @@
             <a:fld id="{FD3456F3-F988-4644-9B1F-732BB24E8D12}" type="datetime4">
               <a:rPr lang="en-US" smtClean="0"/>
               <a:pPr/>
-              <a:t>March 2, 2009</a:t>
+              <a:t>May 12, 2009</a:t>
             </a:fld>
             <a:endParaRPr lang="de-CH" dirty="0"/>
           </a:p>
